--- a/Part1/resources/Diagram.pptx
+++ b/Part1/resources/Diagram.pptx
@@ -6,6 +6,7 @@
   </p:sldMasterIdLst>
   <p:sldIdLst>
     <p:sldId id="256" r:id="rId2"/>
+    <p:sldId id="257" r:id="rId3"/>
   </p:sldIdLst>
   <p:sldSz cx="9144000" cy="6858000" type="screen4x3"/>
   <p:notesSz cx="6858000" cy="9144000"/>
@@ -375,11 +376,11 @@
           <c:showBubbleSize val="0"/>
         </c:dLbls>
         <c:gapWidth val="150"/>
-        <c:axId val="31072768"/>
-        <c:axId val="31396928"/>
+        <c:axId val="80215552"/>
+        <c:axId val="74349312"/>
       </c:barChart>
       <c:catAx>
-        <c:axId val="31072768"/>
+        <c:axId val="80215552"/>
         <c:scaling>
           <c:orientation val="minMax"/>
         </c:scaling>
@@ -418,7 +419,7 @@
             <a:endParaRPr lang="ja-JP"/>
           </a:p>
         </c:txPr>
-        <c:crossAx val="31396928"/>
+        <c:crossAx val="74349312"/>
         <c:crosses val="autoZero"/>
         <c:auto val="1"/>
         <c:lblAlgn val="ctr"/>
@@ -426,7 +427,7 @@
         <c:noMultiLvlLbl val="0"/>
       </c:catAx>
       <c:valAx>
-        <c:axId val="31396928"/>
+        <c:axId val="74349312"/>
         <c:scaling>
           <c:orientation val="minMax"/>
         </c:scaling>
@@ -477,7 +478,7 @@
             <a:endParaRPr lang="ja-JP"/>
           </a:p>
         </c:txPr>
-        <c:crossAx val="31072768"/>
+        <c:crossAx val="80215552"/>
         <c:crosses val="autoZero"/>
         <c:crossBetween val="between"/>
       </c:valAx>
@@ -702,7 +703,7 @@
           <a:p>
             <a:fld id="{0A4CA0C3-CCBB-4747-A465-9079294282FA}" type="datetimeFigureOut">
               <a:rPr kumimoji="1" lang="ja-JP" altLang="en-US" smtClean="0"/>
-              <a:t>2013/10/22</a:t>
+              <a:t>2013/10/23</a:t>
             </a:fld>
             <a:endParaRPr kumimoji="1" lang="ja-JP" altLang="en-US"/>
           </a:p>
@@ -872,7 +873,7 @@
           <a:p>
             <a:fld id="{0A4CA0C3-CCBB-4747-A465-9079294282FA}" type="datetimeFigureOut">
               <a:rPr kumimoji="1" lang="ja-JP" altLang="en-US" smtClean="0"/>
-              <a:t>2013/10/22</a:t>
+              <a:t>2013/10/23</a:t>
             </a:fld>
             <a:endParaRPr kumimoji="1" lang="ja-JP" altLang="en-US"/>
           </a:p>
@@ -1052,7 +1053,7 @@
           <a:p>
             <a:fld id="{0A4CA0C3-CCBB-4747-A465-9079294282FA}" type="datetimeFigureOut">
               <a:rPr kumimoji="1" lang="ja-JP" altLang="en-US" smtClean="0"/>
-              <a:t>2013/10/22</a:t>
+              <a:t>2013/10/23</a:t>
             </a:fld>
             <a:endParaRPr kumimoji="1" lang="ja-JP" altLang="en-US"/>
           </a:p>
@@ -1222,7 +1223,7 @@
           <a:p>
             <a:fld id="{0A4CA0C3-CCBB-4747-A465-9079294282FA}" type="datetimeFigureOut">
               <a:rPr kumimoji="1" lang="ja-JP" altLang="en-US" smtClean="0"/>
-              <a:t>2013/10/22</a:t>
+              <a:t>2013/10/23</a:t>
             </a:fld>
             <a:endParaRPr kumimoji="1" lang="ja-JP" altLang="en-US"/>
           </a:p>
@@ -1468,7 +1469,7 @@
           <a:p>
             <a:fld id="{0A4CA0C3-CCBB-4747-A465-9079294282FA}" type="datetimeFigureOut">
               <a:rPr kumimoji="1" lang="ja-JP" altLang="en-US" smtClean="0"/>
-              <a:t>2013/10/22</a:t>
+              <a:t>2013/10/23</a:t>
             </a:fld>
             <a:endParaRPr kumimoji="1" lang="ja-JP" altLang="en-US"/>
           </a:p>
@@ -1756,7 +1757,7 @@
           <a:p>
             <a:fld id="{0A4CA0C3-CCBB-4747-A465-9079294282FA}" type="datetimeFigureOut">
               <a:rPr kumimoji="1" lang="ja-JP" altLang="en-US" smtClean="0"/>
-              <a:t>2013/10/22</a:t>
+              <a:t>2013/10/23</a:t>
             </a:fld>
             <a:endParaRPr kumimoji="1" lang="ja-JP" altLang="en-US"/>
           </a:p>
@@ -2178,7 +2179,7 @@
           <a:p>
             <a:fld id="{0A4CA0C3-CCBB-4747-A465-9079294282FA}" type="datetimeFigureOut">
               <a:rPr kumimoji="1" lang="ja-JP" altLang="en-US" smtClean="0"/>
-              <a:t>2013/10/22</a:t>
+              <a:t>2013/10/23</a:t>
             </a:fld>
             <a:endParaRPr kumimoji="1" lang="ja-JP" altLang="en-US"/>
           </a:p>
@@ -2296,7 +2297,7 @@
           <a:p>
             <a:fld id="{0A4CA0C3-CCBB-4747-A465-9079294282FA}" type="datetimeFigureOut">
               <a:rPr kumimoji="1" lang="ja-JP" altLang="en-US" smtClean="0"/>
-              <a:t>2013/10/22</a:t>
+              <a:t>2013/10/23</a:t>
             </a:fld>
             <a:endParaRPr kumimoji="1" lang="ja-JP" altLang="en-US"/>
           </a:p>
@@ -2391,7 +2392,7 @@
           <a:p>
             <a:fld id="{0A4CA0C3-CCBB-4747-A465-9079294282FA}" type="datetimeFigureOut">
               <a:rPr kumimoji="1" lang="ja-JP" altLang="en-US" smtClean="0"/>
-              <a:t>2013/10/22</a:t>
+              <a:t>2013/10/23</a:t>
             </a:fld>
             <a:endParaRPr kumimoji="1" lang="ja-JP" altLang="en-US"/>
           </a:p>
@@ -2668,7 +2669,7 @@
           <a:p>
             <a:fld id="{0A4CA0C3-CCBB-4747-A465-9079294282FA}" type="datetimeFigureOut">
               <a:rPr kumimoji="1" lang="ja-JP" altLang="en-US" smtClean="0"/>
-              <a:t>2013/10/22</a:t>
+              <a:t>2013/10/23</a:t>
             </a:fld>
             <a:endParaRPr kumimoji="1" lang="ja-JP" altLang="en-US"/>
           </a:p>
@@ -2921,7 +2922,7 @@
           <a:p>
             <a:fld id="{0A4CA0C3-CCBB-4747-A465-9079294282FA}" type="datetimeFigureOut">
               <a:rPr kumimoji="1" lang="ja-JP" altLang="en-US" smtClean="0"/>
-              <a:t>2013/10/22</a:t>
+              <a:t>2013/10/23</a:t>
             </a:fld>
             <a:endParaRPr kumimoji="1" lang="ja-JP" altLang="en-US"/>
           </a:p>
@@ -3134,7 +3135,7 @@
           <a:p>
             <a:fld id="{0A4CA0C3-CCBB-4747-A465-9079294282FA}" type="datetimeFigureOut">
               <a:rPr kumimoji="1" lang="ja-JP" altLang="en-US" smtClean="0"/>
-              <a:t>2013/10/22</a:t>
+              <a:t>2013/10/23</a:t>
             </a:fld>
             <a:endParaRPr kumimoji="1" lang="ja-JP" altLang="en-US"/>
           </a:p>
@@ -3917,6 +3918,274 @@
 </p:sld>
 </file>
 
+<file path=ppt/slides/slide2.xml><?xml version="1.0" encoding="utf-8"?>
+<p:sld xmlns:a="http://schemas.openxmlformats.org/drawingml/2006/main" xmlns:r="http://schemas.openxmlformats.org/officeDocument/2006/relationships" xmlns:p="http://schemas.openxmlformats.org/presentationml/2006/main">
+  <p:cSld>
+    <p:spTree>
+      <p:nvGrpSpPr>
+        <p:cNvPr id="1" name=""/>
+        <p:cNvGrpSpPr/>
+        <p:nvPr/>
+      </p:nvGrpSpPr>
+      <p:grpSpPr>
+        <a:xfrm>
+          <a:off x="0" y="0"/>
+          <a:ext cx="0" cy="0"/>
+          <a:chOff x="0" y="0"/>
+          <a:chExt cx="0" cy="0"/>
+        </a:xfrm>
+      </p:grpSpPr>
+      <p:pic>
+        <p:nvPicPr>
+          <p:cNvPr id="1026" name="Picture 2"/>
+          <p:cNvPicPr>
+            <a:picLocks noChangeAspect="1" noChangeArrowheads="1"/>
+          </p:cNvPicPr>
+          <p:nvPr/>
+        </p:nvPicPr>
+        <p:blipFill>
+          <a:blip r:embed="rId2" cstate="print">
+            <a:extLst>
+              <a:ext uri="{28A0092B-C50C-407E-A947-70E740481C1C}">
+                <a14:useLocalDpi xmlns:a14="http://schemas.microsoft.com/office/drawing/2010/main" val="0"/>
+              </a:ext>
+            </a:extLst>
+          </a:blip>
+          <a:srcRect/>
+          <a:stretch>
+            <a:fillRect/>
+          </a:stretch>
+        </p:blipFill>
+        <p:spPr bwMode="auto">
+          <a:xfrm>
+            <a:off x="49901" y="1268760"/>
+            <a:ext cx="2956699" cy="1846687"/>
+          </a:xfrm>
+          <a:prstGeom prst="rect">
+            <a:avLst/>
+          </a:prstGeom>
+          <a:noFill/>
+          <a:ln>
+            <a:noFill/>
+          </a:ln>
+          <a:effectLst/>
+          <a:extLst>
+            <a:ext uri="{909E8E84-426E-40DD-AFC4-6F175D3DCCD1}">
+              <a14:hiddenFill xmlns:a14="http://schemas.microsoft.com/office/drawing/2010/main">
+                <a:solidFill>
+                  <a:schemeClr val="accent1"/>
+                </a:solidFill>
+              </a14:hiddenFill>
+            </a:ext>
+            <a:ext uri="{91240B29-F687-4F45-9708-019B960494DF}">
+              <a14:hiddenLine xmlns:a14="http://schemas.microsoft.com/office/drawing/2010/main" w="9525">
+                <a:solidFill>
+                  <a:schemeClr val="tx1"/>
+                </a:solidFill>
+                <a:miter lim="800000"/>
+                <a:headEnd/>
+                <a:tailEnd/>
+              </a14:hiddenLine>
+            </a:ext>
+            <a:ext uri="{AF507438-7753-43E0-B8FC-AC1667EBCBE1}">
+              <a14:hiddenEffects xmlns:a14="http://schemas.microsoft.com/office/drawing/2010/main">
+                <a:effectLst>
+                  <a:outerShdw dist="35921" dir="2700000" algn="ctr" rotWithShape="0">
+                    <a:schemeClr val="bg2"/>
+                  </a:outerShdw>
+                </a:effectLst>
+              </a14:hiddenEffects>
+            </a:ext>
+          </a:extLst>
+        </p:spPr>
+      </p:pic>
+      <p:pic>
+        <p:nvPicPr>
+          <p:cNvPr id="1027" name="Picture 3" descr="C:\Users\Takashi\Documents\GitHub\Project3-Simulation\Part1\resources\flock2.png"/>
+          <p:cNvPicPr>
+            <a:picLocks noChangeAspect="1" noChangeArrowheads="1"/>
+          </p:cNvPicPr>
+          <p:nvPr/>
+        </p:nvPicPr>
+        <p:blipFill>
+          <a:blip r:embed="rId3" cstate="print">
+            <a:extLst>
+              <a:ext uri="{28A0092B-C50C-407E-A947-70E740481C1C}">
+                <a14:useLocalDpi xmlns:a14="http://schemas.microsoft.com/office/drawing/2010/main" val="0"/>
+              </a:ext>
+            </a:extLst>
+          </a:blip>
+          <a:srcRect/>
+          <a:stretch>
+            <a:fillRect/>
+          </a:stretch>
+        </p:blipFill>
+        <p:spPr bwMode="auto">
+          <a:xfrm>
+            <a:off x="3036025" y="1268762"/>
+            <a:ext cx="3018994" cy="1846686"/>
+          </a:xfrm>
+          <a:prstGeom prst="rect">
+            <a:avLst/>
+          </a:prstGeom>
+          <a:noFill/>
+          <a:extLst>
+            <a:ext uri="{909E8E84-426E-40DD-AFC4-6F175D3DCCD1}">
+              <a14:hiddenFill xmlns:a14="http://schemas.microsoft.com/office/drawing/2010/main">
+                <a:solidFill>
+                  <a:srgbClr val="FFFFFF"/>
+                </a:solidFill>
+              </a14:hiddenFill>
+            </a:ext>
+          </a:extLst>
+        </p:spPr>
+      </p:pic>
+      <p:pic>
+        <p:nvPicPr>
+          <p:cNvPr id="1028" name="Picture 4" descr="C:\Users\Takashi\Documents\GitHub\Project3-Simulation\Part1\resources\flock3.png"/>
+          <p:cNvPicPr>
+            <a:picLocks noChangeAspect="1" noChangeArrowheads="1"/>
+          </p:cNvPicPr>
+          <p:nvPr/>
+        </p:nvPicPr>
+        <p:blipFill>
+          <a:blip r:embed="rId4" cstate="print">
+            <a:extLst>
+              <a:ext uri="{28A0092B-C50C-407E-A947-70E740481C1C}">
+                <a14:useLocalDpi xmlns:a14="http://schemas.microsoft.com/office/drawing/2010/main" val="0"/>
+              </a:ext>
+            </a:extLst>
+          </a:blip>
+          <a:srcRect/>
+          <a:stretch>
+            <a:fillRect/>
+          </a:stretch>
+        </p:blipFill>
+        <p:spPr bwMode="auto">
+          <a:xfrm>
+            <a:off x="6084540" y="1268760"/>
+            <a:ext cx="3023964" cy="1846687"/>
+          </a:xfrm>
+          <a:prstGeom prst="rect">
+            <a:avLst/>
+          </a:prstGeom>
+          <a:noFill/>
+          <a:extLst>
+            <a:ext uri="{909E8E84-426E-40DD-AFC4-6F175D3DCCD1}">
+              <a14:hiddenFill xmlns:a14="http://schemas.microsoft.com/office/drawing/2010/main">
+                <a:solidFill>
+                  <a:srgbClr val="FFFFFF"/>
+                </a:solidFill>
+              </a14:hiddenFill>
+            </a:ext>
+          </a:extLst>
+        </p:spPr>
+      </p:pic>
+      <p:sp>
+        <p:nvSpPr>
+          <p:cNvPr id="5" name="Right Arrow 4"/>
+          <p:cNvSpPr/>
+          <p:nvPr/>
+        </p:nvSpPr>
+        <p:spPr>
+          <a:xfrm>
+            <a:off x="2915816" y="2048087"/>
+            <a:ext cx="314476" cy="288032"/>
+          </a:xfrm>
+          <a:prstGeom prst="rightArrow">
+            <a:avLst/>
+          </a:prstGeom>
+          <a:solidFill>
+            <a:schemeClr val="bg1">
+              <a:lumMod val="50000"/>
+            </a:schemeClr>
+          </a:solidFill>
+          <a:ln>
+            <a:noFill/>
+          </a:ln>
+        </p:spPr>
+        <p:style>
+          <a:lnRef idx="2">
+            <a:schemeClr val="accent1"/>
+          </a:lnRef>
+          <a:fillRef idx="1">
+            <a:schemeClr val="lt1"/>
+          </a:fillRef>
+          <a:effectRef idx="0">
+            <a:schemeClr val="accent1"/>
+          </a:effectRef>
+          <a:fontRef idx="minor">
+            <a:schemeClr val="dk1"/>
+          </a:fontRef>
+        </p:style>
+        <p:txBody>
+          <a:bodyPr rtlCol="0" anchor="ctr"/>
+          <a:lstStyle/>
+          <a:p>
+            <a:pPr algn="ctr"/>
+            <a:endParaRPr kumimoji="1" lang="ja-JP" altLang="en-US"/>
+          </a:p>
+        </p:txBody>
+      </p:sp>
+      <p:sp>
+        <p:nvSpPr>
+          <p:cNvPr id="9" name="Right Arrow 8"/>
+          <p:cNvSpPr/>
+          <p:nvPr/>
+        </p:nvSpPr>
+        <p:spPr>
+          <a:xfrm>
+            <a:off x="5940152" y="2048087"/>
+            <a:ext cx="342948" cy="288032"/>
+          </a:xfrm>
+          <a:prstGeom prst="rightArrow">
+            <a:avLst/>
+          </a:prstGeom>
+          <a:solidFill>
+            <a:schemeClr val="bg1">
+              <a:lumMod val="50000"/>
+            </a:schemeClr>
+          </a:solidFill>
+          <a:ln>
+            <a:noFill/>
+          </a:ln>
+        </p:spPr>
+        <p:style>
+          <a:lnRef idx="2">
+            <a:schemeClr val="accent1"/>
+          </a:lnRef>
+          <a:fillRef idx="1">
+            <a:schemeClr val="lt1"/>
+          </a:fillRef>
+          <a:effectRef idx="0">
+            <a:schemeClr val="accent1"/>
+          </a:effectRef>
+          <a:fontRef idx="minor">
+            <a:schemeClr val="dk1"/>
+          </a:fontRef>
+        </p:style>
+        <p:txBody>
+          <a:bodyPr rtlCol="0" anchor="ctr"/>
+          <a:lstStyle/>
+          <a:p>
+            <a:pPr algn="ctr"/>
+            <a:endParaRPr kumimoji="1" lang="ja-JP" altLang="en-US"/>
+          </a:p>
+        </p:txBody>
+      </p:sp>
+    </p:spTree>
+    <p:extLst>
+      <p:ext uri="{BB962C8B-B14F-4D97-AF65-F5344CB8AC3E}">
+        <p14:creationId xmlns:p14="http://schemas.microsoft.com/office/powerpoint/2010/main" val="1784817893"/>
+      </p:ext>
+    </p:extLst>
+  </p:cSld>
+  <p:clrMapOvr>
+    <a:masterClrMapping/>
+  </p:clrMapOvr>
+</p:sld>
+</file>
+
 <file path=ppt/theme/theme1.xml><?xml version="1.0" encoding="utf-8"?>
 <a:theme xmlns:a="http://schemas.openxmlformats.org/drawingml/2006/main" name="Office Theme">
   <a:themeElements>
